--- a/newCoinInitiative.pptx
+++ b/newCoinInitiative.pptx
@@ -5,12 +5,13 @@
     <p:sldMasterId id="2147483648" r:id="rId1"/>
   </p:sldMasterIdLst>
   <p:notesMasterIdLst>
-    <p:notesMasterId r:id="rId5"/>
+    <p:notesMasterId r:id="rId6"/>
   </p:notesMasterIdLst>
   <p:sldIdLst>
     <p:sldId id="256" r:id="rId2"/>
     <p:sldId id="257" r:id="rId3"/>
     <p:sldId id="258" r:id="rId4"/>
+    <p:sldId id="259" r:id="rId5"/>
   </p:sldIdLst>
   <p:sldSz cx="12192000" cy="6858000"/>
   <p:notesSz cx="6858000" cy="9144000"/>
@@ -3509,7 +3510,11 @@
             </a:r>
             <a:r>
               <a:rPr lang="zh-CN" altLang="en-US" dirty="0"/>
-              <a:t>过程</a:t>
+              <a:t> </a:t>
+            </a:r>
+            <a:r>
+              <a:rPr lang="en-US" altLang="zh-CN" dirty="0"/>
+              <a:t>Process</a:t>
             </a:r>
             <a:endParaRPr lang="en-US" dirty="0"/>
           </a:p>
@@ -3533,13 +3538,13 @@
         </p:nvSpPr>
         <p:spPr>
           <a:xfrm>
-            <a:off x="294463" y="1120877"/>
-            <a:ext cx="4657099" cy="3226836"/>
+            <a:off x="294463" y="1120876"/>
+            <a:ext cx="4657099" cy="4129735"/>
           </a:xfrm>
         </p:spPr>
         <p:txBody>
           <a:bodyPr>
-            <a:normAutofit fontScale="92500" lnSpcReduction="10000"/>
+            <a:normAutofit/>
           </a:bodyPr>
           <a:lstStyle/>
           <a:p>
@@ -3548,13 +3553,8 @@
             </a:pPr>
             <a:r>
               <a:rPr lang="en-US" altLang="zh-CN" dirty="0"/>
-              <a:t>NCI</a:t>
-            </a:r>
-            <a:r>
-              <a:rPr lang="zh-CN" altLang="en-US" dirty="0"/>
-              <a:t>组织过程</a:t>
-            </a:r>
-            <a:endParaRPr lang="en-US" altLang="zh-CN" dirty="0"/>
+              <a:t>NCI Core</a:t>
+            </a:r>
           </a:p>
           <a:p>
             <a:pPr marL="514350" indent="-514350">
@@ -3563,11 +3563,11 @@
             </a:pPr>
             <a:r>
               <a:rPr lang="en-US" altLang="zh-CN" dirty="0"/>
-              <a:t>NCI</a:t>
-            </a:r>
-            <a:r>
-              <a:rPr lang="zh-CN" altLang="en-US" dirty="0"/>
-              <a:t>公有链，基于以太坊</a:t>
+              <a:t>NCI public chain, based on </a:t>
+            </a:r>
+            <a:r>
+              <a:rPr lang="en-US" altLang="zh-CN" dirty="0" err="1"/>
+              <a:t>Ethereum</a:t>
             </a:r>
             <a:endParaRPr lang="en-US" altLang="zh-CN" dirty="0"/>
           </a:p>
@@ -3582,9 +3582,12 @@
             </a:r>
             <a:r>
               <a:rPr lang="zh-CN" altLang="en-US" dirty="0"/>
-              <a:t>虚拟货币</a:t>
-            </a:r>
-            <a:endParaRPr lang="en-US" altLang="zh-CN" dirty="0"/>
+              <a:t> </a:t>
+            </a:r>
+            <a:r>
+              <a:rPr lang="en-US" altLang="zh-CN" dirty="0"/>
+              <a:t>cryptocurrency</a:t>
+            </a:r>
           </a:p>
           <a:p>
             <a:pPr marL="514350" indent="-514350">
@@ -3593,11 +3596,7 @@
             </a:pPr>
             <a:r>
               <a:rPr lang="en-US" dirty="0"/>
-              <a:t>NCI</a:t>
-            </a:r>
-            <a:r>
-              <a:rPr lang="zh-CN" altLang="en-US" dirty="0"/>
-              <a:t>智能合约</a:t>
+              <a:t>NCI smart contract</a:t>
             </a:r>
             <a:endParaRPr lang="en-US" altLang="zh-CN" dirty="0"/>
           </a:p>
@@ -3612,9 +3611,12 @@
             </a:r>
             <a:r>
               <a:rPr lang="zh-CN" altLang="en-US" dirty="0"/>
-              <a:t>挖矿</a:t>
-            </a:r>
-            <a:endParaRPr lang="en-US" altLang="zh-CN" dirty="0"/>
+              <a:t> </a:t>
+            </a:r>
+            <a:r>
+              <a:rPr lang="en-US" altLang="zh-CN" dirty="0"/>
+              <a:t>mining</a:t>
+            </a:r>
           </a:p>
           <a:p>
             <a:pPr marL="514350" indent="-514350">
@@ -3627,9 +3629,20 @@
             </a:r>
             <a:r>
               <a:rPr lang="zh-CN" altLang="en-US" dirty="0"/>
-              <a:t>交易所</a:t>
-            </a:r>
-            <a:endParaRPr lang="en-US" altLang="zh-CN" dirty="0"/>
+              <a:t> </a:t>
+            </a:r>
+            <a:r>
+              <a:rPr lang="en-US" altLang="zh-CN" dirty="0"/>
+              <a:t>exchange</a:t>
+            </a:r>
+            <a:r>
+              <a:rPr lang="zh-CN" altLang="en-US" dirty="0"/>
+              <a:t> </a:t>
+            </a:r>
+            <a:r>
+              <a:rPr lang="en-US" altLang="zh-CN" dirty="0"/>
+              <a:t>center</a:t>
+            </a:r>
           </a:p>
           <a:p>
             <a:pPr marL="514350" indent="-514350">
@@ -3642,7 +3655,11 @@
             </a:r>
             <a:r>
               <a:rPr lang="zh-CN" altLang="en-US" dirty="0"/>
-              <a:t>钱包</a:t>
+              <a:t> </a:t>
+            </a:r>
+            <a:r>
+              <a:rPr lang="en-US" altLang="zh-CN" dirty="0"/>
+              <a:t>wallet</a:t>
             </a:r>
             <a:endParaRPr lang="en-US" dirty="0"/>
           </a:p>
@@ -3667,7 +3684,7 @@
         <p:spPr>
           <a:xfrm>
             <a:off x="6172200" y="413511"/>
-            <a:ext cx="3966713" cy="5711244"/>
+            <a:ext cx="5795513" cy="5711244"/>
           </a:xfrm>
         </p:spPr>
         <p:txBody>
@@ -3681,13 +3698,8 @@
             </a:pPr>
             <a:r>
               <a:rPr lang="en-US" altLang="zh-CN" dirty="0"/>
-              <a:t>NCI</a:t>
-            </a:r>
-            <a:r>
-              <a:rPr lang="zh-CN" altLang="en-US" dirty="0"/>
-              <a:t>相关活动</a:t>
-            </a:r>
-            <a:endParaRPr lang="en-US" altLang="zh-CN" dirty="0"/>
+              <a:t>NCI Related Activities</a:t>
+            </a:r>
           </a:p>
           <a:p>
             <a:pPr marL="514350" indent="-514350">
@@ -3695,18 +3707,17 @@
               <a:buAutoNum type="arabicPeriod"/>
             </a:pPr>
             <a:r>
+              <a:rPr lang="en-US" altLang="zh-CN" dirty="0"/>
+              <a:t>Setup QQ</a:t>
+            </a:r>
+            <a:r>
               <a:rPr lang="zh-CN" altLang="en-US" dirty="0"/>
-              <a:t>成立</a:t>
+              <a:t> </a:t>
             </a:r>
             <a:r>
               <a:rPr lang="en-US" altLang="zh-CN" dirty="0"/>
-              <a:t>QQ</a:t>
-            </a:r>
-            <a:r>
-              <a:rPr lang="zh-CN" altLang="en-US" dirty="0"/>
-              <a:t>群</a:t>
-            </a:r>
-            <a:endParaRPr lang="en-US" altLang="zh-CN" dirty="0"/>
+              <a:t>Group</a:t>
+            </a:r>
           </a:p>
           <a:p>
             <a:pPr marL="514350" indent="-514350">
@@ -3714,10 +3725,9 @@
               <a:buAutoNum type="arabicPeriod"/>
             </a:pPr>
             <a:r>
-              <a:rPr lang="zh-CN" altLang="en-US" dirty="0"/>
-              <a:t>自由挖矿</a:t>
-            </a:r>
-            <a:endParaRPr lang="en-US" altLang="zh-CN" dirty="0"/>
+              <a:rPr lang="en-US" altLang="zh-CN" dirty="0"/>
+              <a:t>Mining freely</a:t>
+            </a:r>
           </a:p>
           <a:p>
             <a:pPr marL="514350" indent="-514350">
@@ -3725,10 +3735,9 @@
               <a:buAutoNum type="arabicPeriod"/>
             </a:pPr>
             <a:r>
-              <a:rPr lang="zh-CN" altLang="en-US" dirty="0"/>
-              <a:t>第三方交易</a:t>
-            </a:r>
-            <a:endParaRPr lang="en-US" altLang="zh-CN" dirty="0"/>
+              <a:rPr lang="en-US" altLang="zh-CN" dirty="0"/>
+              <a:t>Third party exchange</a:t>
+            </a:r>
           </a:p>
           <a:p>
             <a:pPr marL="514350" indent="-514350">
@@ -3736,10 +3745,9 @@
               <a:buAutoNum type="arabicPeriod"/>
             </a:pPr>
             <a:r>
-              <a:rPr lang="zh-CN" altLang="en-US" dirty="0"/>
-              <a:t>自由部署智能合约</a:t>
-            </a:r>
-            <a:endParaRPr lang="en-US" altLang="zh-CN" dirty="0"/>
+              <a:rPr lang="en-US" altLang="zh-CN" dirty="0"/>
+              <a:t>Deploy smart contract at low cost</a:t>
+            </a:r>
           </a:p>
           <a:p>
             <a:pPr marL="514350" indent="-514350">
@@ -3747,10 +3755,9 @@
               <a:buAutoNum type="arabicPeriod"/>
             </a:pPr>
             <a:r>
-              <a:rPr lang="zh-CN" altLang="en-US" dirty="0"/>
-              <a:t>兼容现有钱包</a:t>
-            </a:r>
-            <a:endParaRPr lang="en-US" altLang="zh-CN" dirty="0"/>
+              <a:rPr lang="en-US" altLang="zh-CN" dirty="0"/>
+              <a:t>Compatible with current Wallet</a:t>
+            </a:r>
           </a:p>
           <a:p>
             <a:pPr marL="514350" indent="-514350">
@@ -3758,10 +3765,9 @@
               <a:buAutoNum type="arabicPeriod"/>
             </a:pPr>
             <a:r>
-              <a:rPr lang="zh-CN" altLang="en-US" dirty="0"/>
-              <a:t>基本原则</a:t>
-            </a:r>
-            <a:endParaRPr lang="en-US" altLang="zh-CN" dirty="0"/>
+              <a:rPr lang="en-US" altLang="zh-CN" dirty="0"/>
+              <a:t>Basic Principle</a:t>
+            </a:r>
           </a:p>
           <a:p>
             <a:pPr marL="971550" lvl="1" indent="-514350">
@@ -3769,10 +3775,9 @@
               <a:buAutoNum type="arabicPeriod"/>
             </a:pPr>
             <a:r>
-              <a:rPr lang="zh-CN" altLang="en-US" dirty="0"/>
-              <a:t>基于区块链</a:t>
-            </a:r>
-            <a:endParaRPr lang="en-US" altLang="zh-CN" dirty="0"/>
+              <a:rPr lang="en-US" altLang="zh-CN" dirty="0"/>
+              <a:t>Based on blockchain</a:t>
+            </a:r>
           </a:p>
           <a:p>
             <a:pPr marL="971550" lvl="1" indent="-514350">
@@ -3780,10 +3785,9 @@
               <a:buAutoNum type="arabicPeriod"/>
             </a:pPr>
             <a:r>
-              <a:rPr lang="zh-CN" altLang="en-US" dirty="0"/>
-              <a:t>开源</a:t>
-            </a:r>
-            <a:endParaRPr lang="en-US" altLang="zh-CN" dirty="0"/>
+              <a:rPr lang="en-US" altLang="zh-CN" dirty="0"/>
+              <a:t>Open Source</a:t>
+            </a:r>
           </a:p>
           <a:p>
             <a:pPr marL="971550" lvl="1" indent="-514350">
@@ -3791,10 +3795,9 @@
               <a:buAutoNum type="arabicPeriod"/>
             </a:pPr>
             <a:r>
-              <a:rPr lang="zh-CN" altLang="en-US" dirty="0"/>
-              <a:t>透明</a:t>
-            </a:r>
-            <a:endParaRPr lang="en-US" altLang="zh-CN" dirty="0"/>
+              <a:rPr lang="en-US" altLang="zh-CN" dirty="0"/>
+              <a:t>Transparent</a:t>
+            </a:r>
           </a:p>
           <a:p>
             <a:pPr marL="971550" lvl="1" indent="-514350">
@@ -3802,10 +3805,9 @@
               <a:buAutoNum type="arabicPeriod"/>
             </a:pPr>
             <a:r>
-              <a:rPr lang="zh-CN" altLang="en-US" dirty="0"/>
-              <a:t>第三方交易</a:t>
-            </a:r>
-            <a:endParaRPr lang="en-US" altLang="zh-CN" dirty="0"/>
+              <a:rPr lang="en-US" altLang="zh-CN" dirty="0"/>
+              <a:t>Third party exchange</a:t>
+            </a:r>
           </a:p>
           <a:p>
             <a:pPr marL="971550" lvl="1" indent="-514350">
@@ -3813,10 +3815,9 @@
               <a:buAutoNum type="arabicPeriod"/>
             </a:pPr>
             <a:r>
-              <a:rPr lang="zh-CN" altLang="en-US" dirty="0"/>
-              <a:t>独立于任何组织</a:t>
-            </a:r>
-            <a:endParaRPr lang="en-US" dirty="0"/>
+              <a:rPr lang="en-US" altLang="zh-CN" dirty="0"/>
+              <a:t>Independent of any organizations</a:t>
+            </a:r>
           </a:p>
         </p:txBody>
       </p:sp>
@@ -4078,6 +4079,142 @@
     <p:extLst>
       <p:ext uri="{BB962C8B-B14F-4D97-AF65-F5344CB8AC3E}">
         <p14:creationId xmlns:p14="http://schemas.microsoft.com/office/powerpoint/2010/main" val="1307759585"/>
+      </p:ext>
+    </p:extLst>
+  </p:cSld>
+  <p:clrMapOvr>
+    <a:masterClrMapping/>
+  </p:clrMapOvr>
+</p:sld>
+</file>
+
+<file path=ppt/slides/slide4.xml><?xml version="1.0" encoding="utf-8"?>
+<p:sld xmlns:a="http://schemas.openxmlformats.org/drawingml/2006/main" xmlns:r="http://schemas.openxmlformats.org/officeDocument/2006/relationships" xmlns:p="http://schemas.openxmlformats.org/presentationml/2006/main">
+  <p:cSld>
+    <p:spTree>
+      <p:nvGrpSpPr>
+        <p:cNvPr id="1" name=""/>
+        <p:cNvGrpSpPr/>
+        <p:nvPr/>
+      </p:nvGrpSpPr>
+      <p:grpSpPr>
+        <a:xfrm>
+          <a:off x="0" y="0"/>
+          <a:ext cx="0" cy="0"/>
+          <a:chOff x="0" y="0"/>
+          <a:chExt cx="0" cy="0"/>
+        </a:xfrm>
+      </p:grpSpPr>
+      <p:sp>
+        <p:nvSpPr>
+          <p:cNvPr id="2" name="Title 1">
+            <a:extLst>
+              <a:ext uri="{FF2B5EF4-FFF2-40B4-BE49-F238E27FC236}">
+                <a16:creationId xmlns:a16="http://schemas.microsoft.com/office/drawing/2014/main" id="{01191EC3-6FD2-4CB0-8D28-0950E0B3EDF3}"/>
+              </a:ext>
+            </a:extLst>
+          </p:cNvPr>
+          <p:cNvSpPr>
+            <a:spLocks noGrp="1"/>
+          </p:cNvSpPr>
+          <p:nvPr>
+            <p:ph type="title"/>
+          </p:nvPr>
+        </p:nvSpPr>
+        <p:spPr/>
+        <p:txBody>
+          <a:bodyPr>
+            <a:normAutofit fontScale="90000"/>
+          </a:bodyPr>
+          <a:lstStyle/>
+          <a:p>
+            <a:endParaRPr lang="en-US"/>
+          </a:p>
+        </p:txBody>
+      </p:sp>
+      <p:sp>
+        <p:nvSpPr>
+          <p:cNvPr id="3" name="Content Placeholder 2">
+            <a:extLst>
+              <a:ext uri="{FF2B5EF4-FFF2-40B4-BE49-F238E27FC236}">
+                <a16:creationId xmlns:a16="http://schemas.microsoft.com/office/drawing/2014/main" id="{297F7BDE-425E-48BE-B23A-04A07545FD18}"/>
+              </a:ext>
+            </a:extLst>
+          </p:cNvPr>
+          <p:cNvSpPr>
+            <a:spLocks noGrp="1"/>
+          </p:cNvSpPr>
+          <p:nvPr>
+            <p:ph sz="half" idx="1"/>
+          </p:nvPr>
+        </p:nvSpPr>
+        <p:spPr/>
+        <p:txBody>
+          <a:bodyPr/>
+          <a:lstStyle/>
+          <a:p>
+            <a:endParaRPr lang="en-US"/>
+          </a:p>
+        </p:txBody>
+      </p:sp>
+      <p:sp>
+        <p:nvSpPr>
+          <p:cNvPr id="4" name="Content Placeholder 3">
+            <a:extLst>
+              <a:ext uri="{FF2B5EF4-FFF2-40B4-BE49-F238E27FC236}">
+                <a16:creationId xmlns:a16="http://schemas.microsoft.com/office/drawing/2014/main" id="{C0A6C144-B1C9-4121-894A-F7FD051AD640}"/>
+              </a:ext>
+            </a:extLst>
+          </p:cNvPr>
+          <p:cNvSpPr>
+            <a:spLocks noGrp="1"/>
+          </p:cNvSpPr>
+          <p:nvPr>
+            <p:ph sz="half" idx="2"/>
+          </p:nvPr>
+        </p:nvSpPr>
+        <p:spPr/>
+        <p:txBody>
+          <a:bodyPr/>
+          <a:lstStyle/>
+          <a:p>
+            <a:endParaRPr lang="en-US"/>
+          </a:p>
+        </p:txBody>
+      </p:sp>
+      <p:sp>
+        <p:nvSpPr>
+          <p:cNvPr id="5" name="Slide Number Placeholder 4">
+            <a:extLst>
+              <a:ext uri="{FF2B5EF4-FFF2-40B4-BE49-F238E27FC236}">
+                <a16:creationId xmlns:a16="http://schemas.microsoft.com/office/drawing/2014/main" id="{54F3EB64-2649-41AC-BE65-EA4CDD21FA53}"/>
+              </a:ext>
+            </a:extLst>
+          </p:cNvPr>
+          <p:cNvSpPr>
+            <a:spLocks noGrp="1"/>
+          </p:cNvSpPr>
+          <p:nvPr>
+            <p:ph type="sldNum" sz="quarter" idx="12"/>
+          </p:nvPr>
+        </p:nvSpPr>
+        <p:spPr/>
+        <p:txBody>
+          <a:bodyPr/>
+          <a:lstStyle/>
+          <a:p>
+            <a:fld id="{656EEF9C-D8EE-4444-AD18-FDA4DCDDF73B}" type="slidenum">
+              <a:rPr lang="en-US" smtClean="0"/>
+              <a:t>4</a:t>
+            </a:fld>
+            <a:endParaRPr lang="en-US"/>
+          </a:p>
+        </p:txBody>
+      </p:sp>
+    </p:spTree>
+    <p:extLst>
+      <p:ext uri="{BB962C8B-B14F-4D97-AF65-F5344CB8AC3E}">
+        <p14:creationId xmlns:p14="http://schemas.microsoft.com/office/powerpoint/2010/main" val="1071834521"/>
       </p:ext>
     </p:extLst>
   </p:cSld>

--- a/newCoinInitiative.pptx
+++ b/newCoinInitiative.pptx
@@ -5,13 +5,14 @@
     <p:sldMasterId id="2147483648" r:id="rId1"/>
   </p:sldMasterIdLst>
   <p:notesMasterIdLst>
-    <p:notesMasterId r:id="rId6"/>
+    <p:notesMasterId r:id="rId7"/>
   </p:notesMasterIdLst>
   <p:sldIdLst>
     <p:sldId id="256" r:id="rId2"/>
     <p:sldId id="257" r:id="rId3"/>
     <p:sldId id="258" r:id="rId4"/>
-    <p:sldId id="259" r:id="rId5"/>
+    <p:sldId id="260" r:id="rId5"/>
+    <p:sldId id="259" r:id="rId6"/>
   </p:sldIdLst>
   <p:sldSz cx="12192000" cy="6858000"/>
   <p:notesSz cx="6858000" cy="9144000"/>
@@ -3363,21 +3364,11 @@
           <a:lstStyle/>
           <a:p>
             <a:r>
-              <a:rPr lang="zh-CN" altLang="en-US" dirty="0"/>
-              <a:t>新币种提案</a:t>
-            </a:r>
-            <a:br>
-              <a:rPr lang="en-US" altLang="zh-CN" dirty="0"/>
-            </a:br>
-            <a:br>
-              <a:rPr lang="en-US" altLang="zh-CN" dirty="0"/>
-            </a:br>
-            <a:r>
-              <a:rPr lang="en-US" altLang="zh-CN" sz="2800" dirty="0"/>
+              <a:rPr lang="en-US" altLang="zh-CN" sz="4400" dirty="0"/>
               <a:t>New Coin Initiative </a:t>
             </a:r>
             <a:r>
-              <a:rPr lang="en-US" altLang="zh-CN" sz="2400" dirty="0"/>
+              <a:rPr lang="en-US" altLang="zh-CN" sz="4000" dirty="0"/>
               <a:t>(NCI)</a:t>
             </a:r>
             <a:endParaRPr lang="en-US" dirty="0"/>
@@ -4110,6 +4101,151 @@
           <p:cNvPr id="2" name="Title 1">
             <a:extLst>
               <a:ext uri="{FF2B5EF4-FFF2-40B4-BE49-F238E27FC236}">
+                <a16:creationId xmlns:a16="http://schemas.microsoft.com/office/drawing/2014/main" id="{AB5A536A-7208-4BC3-A991-C977B3620766}"/>
+              </a:ext>
+            </a:extLst>
+          </p:cNvPr>
+          <p:cNvSpPr>
+            <a:spLocks noGrp="1"/>
+          </p:cNvSpPr>
+          <p:nvPr>
+            <p:ph type="title"/>
+          </p:nvPr>
+        </p:nvSpPr>
+        <p:spPr/>
+        <p:txBody>
+          <a:bodyPr>
+            <a:normAutofit fontScale="90000"/>
+          </a:bodyPr>
+          <a:lstStyle/>
+          <a:p>
+            <a:r>
+              <a:rPr lang="en-US" dirty="0"/>
+              <a:t>Make your Own Cryptocurrency</a:t>
+            </a:r>
+          </a:p>
+        </p:txBody>
+      </p:sp>
+      <p:sp>
+        <p:nvSpPr>
+          <p:cNvPr id="3" name="Content Placeholder 2">
+            <a:extLst>
+              <a:ext uri="{FF2B5EF4-FFF2-40B4-BE49-F238E27FC236}">
+                <a16:creationId xmlns:a16="http://schemas.microsoft.com/office/drawing/2014/main" id="{AF5F2A61-341B-4ABD-A4F0-ED79FD8082A9}"/>
+              </a:ext>
+            </a:extLst>
+          </p:cNvPr>
+          <p:cNvSpPr>
+            <a:spLocks noGrp="1"/>
+          </p:cNvSpPr>
+          <p:nvPr>
+            <p:ph sz="half" idx="1"/>
+          </p:nvPr>
+        </p:nvSpPr>
+        <p:spPr/>
+        <p:txBody>
+          <a:bodyPr/>
+          <a:lstStyle/>
+          <a:p>
+            <a:r>
+              <a:rPr lang="en-US">
+                <a:hlinkClick r:id="rId2"/>
+              </a:rPr>
+              <a:t>Litecoin</a:t>
+            </a:r>
+            <a:endParaRPr lang="en-US" dirty="0"/>
+          </a:p>
+        </p:txBody>
+      </p:sp>
+      <p:sp>
+        <p:nvSpPr>
+          <p:cNvPr id="4" name="Content Placeholder 3">
+            <a:extLst>
+              <a:ext uri="{FF2B5EF4-FFF2-40B4-BE49-F238E27FC236}">
+                <a16:creationId xmlns:a16="http://schemas.microsoft.com/office/drawing/2014/main" id="{678A1852-2690-401C-8C56-30D2D6BB1F4B}"/>
+              </a:ext>
+            </a:extLst>
+          </p:cNvPr>
+          <p:cNvSpPr>
+            <a:spLocks noGrp="1"/>
+          </p:cNvSpPr>
+          <p:nvPr>
+            <p:ph sz="half" idx="2"/>
+          </p:nvPr>
+        </p:nvSpPr>
+        <p:spPr/>
+        <p:txBody>
+          <a:bodyPr/>
+          <a:lstStyle/>
+          <a:p>
+            <a:endParaRPr lang="en-US"/>
+          </a:p>
+        </p:txBody>
+      </p:sp>
+      <p:sp>
+        <p:nvSpPr>
+          <p:cNvPr id="5" name="Slide Number Placeholder 4">
+            <a:extLst>
+              <a:ext uri="{FF2B5EF4-FFF2-40B4-BE49-F238E27FC236}">
+                <a16:creationId xmlns:a16="http://schemas.microsoft.com/office/drawing/2014/main" id="{9BB99C55-B15E-48CC-A2EB-DC855C82B515}"/>
+              </a:ext>
+            </a:extLst>
+          </p:cNvPr>
+          <p:cNvSpPr>
+            <a:spLocks noGrp="1"/>
+          </p:cNvSpPr>
+          <p:nvPr>
+            <p:ph type="sldNum" sz="quarter" idx="12"/>
+          </p:nvPr>
+        </p:nvSpPr>
+        <p:spPr/>
+        <p:txBody>
+          <a:bodyPr/>
+          <a:lstStyle/>
+          <a:p>
+            <a:fld id="{656EEF9C-D8EE-4444-AD18-FDA4DCDDF73B}" type="slidenum">
+              <a:rPr lang="en-US" smtClean="0"/>
+              <a:t>4</a:t>
+            </a:fld>
+            <a:endParaRPr lang="en-US"/>
+          </a:p>
+        </p:txBody>
+      </p:sp>
+    </p:spTree>
+    <p:extLst>
+      <p:ext uri="{BB962C8B-B14F-4D97-AF65-F5344CB8AC3E}">
+        <p14:creationId xmlns:p14="http://schemas.microsoft.com/office/powerpoint/2010/main" val="2328011013"/>
+      </p:ext>
+    </p:extLst>
+  </p:cSld>
+  <p:clrMapOvr>
+    <a:masterClrMapping/>
+  </p:clrMapOvr>
+</p:sld>
+</file>
+
+<file path=ppt/slides/slide5.xml><?xml version="1.0" encoding="utf-8"?>
+<p:sld xmlns:a="http://schemas.openxmlformats.org/drawingml/2006/main" xmlns:r="http://schemas.openxmlformats.org/officeDocument/2006/relationships" xmlns:p="http://schemas.openxmlformats.org/presentationml/2006/main">
+  <p:cSld>
+    <p:spTree>
+      <p:nvGrpSpPr>
+        <p:cNvPr id="1" name=""/>
+        <p:cNvGrpSpPr/>
+        <p:nvPr/>
+      </p:nvGrpSpPr>
+      <p:grpSpPr>
+        <a:xfrm>
+          <a:off x="0" y="0"/>
+          <a:ext cx="0" cy="0"/>
+          <a:chOff x="0" y="0"/>
+          <a:chExt cx="0" cy="0"/>
+        </a:xfrm>
+      </p:grpSpPr>
+      <p:sp>
+        <p:nvSpPr>
+          <p:cNvPr id="2" name="Title 1">
+            <a:extLst>
+              <a:ext uri="{FF2B5EF4-FFF2-40B4-BE49-F238E27FC236}">
                 <a16:creationId xmlns:a16="http://schemas.microsoft.com/office/drawing/2014/main" id="{01191EC3-6FD2-4CB0-8D28-0950E0B3EDF3}"/>
               </a:ext>
             </a:extLst>
@@ -4128,7 +4264,10 @@
           </a:bodyPr>
           <a:lstStyle/>
           <a:p>
-            <a:endParaRPr lang="en-US"/>
+            <a:r>
+              <a:rPr lang="en-US" dirty="0"/>
+              <a:t>NCI Blockchain &amp; Coin</a:t>
+            </a:r>
           </a:p>
         </p:txBody>
       </p:sp>
@@ -4153,7 +4292,10 @@
           <a:bodyPr/>
           <a:lstStyle/>
           <a:p>
-            <a:endParaRPr lang="en-US"/>
+            <a:r>
+              <a:rPr lang="en-US" dirty="0"/>
+              <a:t>Make your Own Cryptocurrency</a:t>
+            </a:r>
           </a:p>
         </p:txBody>
       </p:sp>
@@ -4205,7 +4347,7 @@
           <a:p>
             <a:fld id="{656EEF9C-D8EE-4444-AD18-FDA4DCDDF73B}" type="slidenum">
               <a:rPr lang="en-US" smtClean="0"/>
-              <a:t>4</a:t>
+              <a:t>5</a:t>
             </a:fld>
             <a:endParaRPr lang="en-US"/>
           </a:p>
